--- a/Flowchart.pptx
+++ b/Flowchart.pptx
@@ -288,7 +288,7 @@
           <a:p>
             <a:fld id="{E90EF2B8-AB98-2C4D-B1F8-1F0994E7CEB1}" type="datetimeFigureOut">
               <a:rPr lang="en-US" smtClean="0"/>
-              <a:t>11/28/14</a:t>
+              <a:t>12/3/14</a:t>
             </a:fld>
             <a:endParaRPr lang="en-US"/>
           </a:p>
@@ -458,7 +458,7 @@
           <a:p>
             <a:fld id="{E90EF2B8-AB98-2C4D-B1F8-1F0994E7CEB1}" type="datetimeFigureOut">
               <a:rPr lang="en-US" smtClean="0"/>
-              <a:t>11/28/14</a:t>
+              <a:t>12/3/14</a:t>
             </a:fld>
             <a:endParaRPr lang="en-US"/>
           </a:p>
@@ -638,7 +638,7 @@
           <a:p>
             <a:fld id="{E90EF2B8-AB98-2C4D-B1F8-1F0994E7CEB1}" type="datetimeFigureOut">
               <a:rPr lang="en-US" smtClean="0"/>
-              <a:t>11/28/14</a:t>
+              <a:t>12/3/14</a:t>
             </a:fld>
             <a:endParaRPr lang="en-US"/>
           </a:p>
@@ -808,7 +808,7 @@
           <a:p>
             <a:fld id="{E90EF2B8-AB98-2C4D-B1F8-1F0994E7CEB1}" type="datetimeFigureOut">
               <a:rPr lang="en-US" smtClean="0"/>
-              <a:t>11/28/14</a:t>
+              <a:t>12/3/14</a:t>
             </a:fld>
             <a:endParaRPr lang="en-US"/>
           </a:p>
@@ -1054,7 +1054,7 @@
           <a:p>
             <a:fld id="{E90EF2B8-AB98-2C4D-B1F8-1F0994E7CEB1}" type="datetimeFigureOut">
               <a:rPr lang="en-US" smtClean="0"/>
-              <a:t>11/28/14</a:t>
+              <a:t>12/3/14</a:t>
             </a:fld>
             <a:endParaRPr lang="en-US"/>
           </a:p>
@@ -1342,7 +1342,7 @@
           <a:p>
             <a:fld id="{E90EF2B8-AB98-2C4D-B1F8-1F0994E7CEB1}" type="datetimeFigureOut">
               <a:rPr lang="en-US" smtClean="0"/>
-              <a:t>11/28/14</a:t>
+              <a:t>12/3/14</a:t>
             </a:fld>
             <a:endParaRPr lang="en-US"/>
           </a:p>
@@ -1764,7 +1764,7 @@
           <a:p>
             <a:fld id="{E90EF2B8-AB98-2C4D-B1F8-1F0994E7CEB1}" type="datetimeFigureOut">
               <a:rPr lang="en-US" smtClean="0"/>
-              <a:t>11/28/14</a:t>
+              <a:t>12/3/14</a:t>
             </a:fld>
             <a:endParaRPr lang="en-US"/>
           </a:p>
@@ -1882,7 +1882,7 @@
           <a:p>
             <a:fld id="{E90EF2B8-AB98-2C4D-B1F8-1F0994E7CEB1}" type="datetimeFigureOut">
               <a:rPr lang="en-US" smtClean="0"/>
-              <a:t>11/28/14</a:t>
+              <a:t>12/3/14</a:t>
             </a:fld>
             <a:endParaRPr lang="en-US"/>
           </a:p>
@@ -1977,7 +1977,7 @@
           <a:p>
             <a:fld id="{E90EF2B8-AB98-2C4D-B1F8-1F0994E7CEB1}" type="datetimeFigureOut">
               <a:rPr lang="en-US" smtClean="0"/>
-              <a:t>11/28/14</a:t>
+              <a:t>12/3/14</a:t>
             </a:fld>
             <a:endParaRPr lang="en-US"/>
           </a:p>
@@ -2254,7 +2254,7 @@
           <a:p>
             <a:fld id="{E90EF2B8-AB98-2C4D-B1F8-1F0994E7CEB1}" type="datetimeFigureOut">
               <a:rPr lang="en-US" smtClean="0"/>
-              <a:t>11/28/14</a:t>
+              <a:t>12/3/14</a:t>
             </a:fld>
             <a:endParaRPr lang="en-US"/>
           </a:p>
@@ -2507,7 +2507,7 @@
           <a:p>
             <a:fld id="{E90EF2B8-AB98-2C4D-B1F8-1F0994E7CEB1}" type="datetimeFigureOut">
               <a:rPr lang="en-US" smtClean="0"/>
-              <a:t>11/28/14</a:t>
+              <a:t>12/3/14</a:t>
             </a:fld>
             <a:endParaRPr lang="en-US"/>
           </a:p>
@@ -2720,7 +2720,7 @@
           <a:p>
             <a:fld id="{E90EF2B8-AB98-2C4D-B1F8-1F0994E7CEB1}" type="datetimeFigureOut">
               <a:rPr lang="en-US" smtClean="0"/>
-              <a:t>11/28/14</a:t>
+              <a:t>12/3/14</a:t>
             </a:fld>
             <a:endParaRPr lang="en-US"/>
           </a:p>
@@ -3132,9 +3132,9 @@
           <p:nvPr/>
         </p:nvCxnSpPr>
         <p:spPr>
-          <a:xfrm flipV="1">
-            <a:off x="3864571" y="2082821"/>
-            <a:ext cx="2203361" cy="20886"/>
+          <a:xfrm>
+            <a:off x="1590824" y="5638934"/>
+            <a:ext cx="0" cy="1861437"/>
           </a:xfrm>
           <a:prstGeom prst="straightConnector1">
             <a:avLst/>
@@ -3172,7 +3172,7 @@
         </p:nvSpPr>
         <p:spPr>
           <a:xfrm>
-            <a:off x="6067935" y="1686015"/>
+            <a:off x="144599" y="7497326"/>
             <a:ext cx="2892449" cy="835397"/>
           </a:xfrm>
           <a:prstGeom prst="flowChartConnector">
@@ -3305,7 +3305,7 @@
         </p:nvCxnSpPr>
         <p:spPr>
           <a:xfrm flipH="1">
-            <a:off x="7506760" y="2521405"/>
+            <a:off x="1583424" y="8332716"/>
             <a:ext cx="7396" cy="1044245"/>
           </a:xfrm>
           <a:prstGeom prst="straightConnector1">
@@ -3341,8 +3341,8 @@
         </p:nvSpPr>
         <p:spPr>
           <a:xfrm>
-            <a:off x="6147317" y="3565657"/>
-            <a:ext cx="2733675" cy="1712564"/>
+            <a:off x="303373" y="11994328"/>
+            <a:ext cx="2733675" cy="1372296"/>
           </a:xfrm>
           <a:prstGeom prst="flowChartInputOutput">
             <a:avLst/>
@@ -3377,42 +3377,6 @@
           </a:p>
         </p:txBody>
       </p:sp>
-      <p:cxnSp>
-        <p:nvCxnSpPr>
-          <p:cNvPr id="13" name="Straight Arrow Connector 12"/>
-          <p:cNvCxnSpPr/>
-          <p:nvPr/>
-        </p:nvCxnSpPr>
-        <p:spPr>
-          <a:xfrm flipH="1">
-            <a:off x="7499363" y="5278217"/>
-            <a:ext cx="7399" cy="1044245"/>
-          </a:xfrm>
-          <a:prstGeom prst="straightConnector1">
-            <a:avLst/>
-          </a:prstGeom>
-          <a:ln>
-            <a:solidFill>
-              <a:srgbClr val="0D0D0D"/>
-            </a:solidFill>
-            <a:tailEnd type="arrow"/>
-          </a:ln>
-        </p:spPr>
-        <p:style>
-          <a:lnRef idx="2">
-            <a:schemeClr val="accent1"/>
-          </a:lnRef>
-          <a:fillRef idx="0">
-            <a:schemeClr val="accent1"/>
-          </a:fillRef>
-          <a:effectRef idx="1">
-            <a:schemeClr val="accent1"/>
-          </a:effectRef>
-          <a:fontRef idx="minor">
-            <a:schemeClr val="tx1"/>
-          </a:fontRef>
-        </p:style>
-      </p:cxnSp>
       <p:sp>
         <p:nvSpPr>
           <p:cNvPr id="14" name="Process 13"/>
@@ -3421,7 +3385,7 @@
         </p:nvSpPr>
         <p:spPr>
           <a:xfrm>
-            <a:off x="6464931" y="6322467"/>
+            <a:off x="760923" y="9376961"/>
             <a:ext cx="2098452" cy="1592559"/>
           </a:xfrm>
           <a:prstGeom prst="flowChartProcess">
@@ -3453,98 +3417,13 @@
           <a:p>
             <a:pPr algn="ctr"/>
             <a:r>
-              <a:rPr lang="en-US" sz="2000" dirty="0"/>
-              <a:t>Display Fighter #1 &amp;Fighter #2 health of 100</a:t>
-            </a:r>
-          </a:p>
-        </p:txBody>
-      </p:sp>
-      <p:sp>
-        <p:nvSpPr>
-          <p:cNvPr id="15" name="Process 14"/>
-          <p:cNvSpPr/>
-          <p:nvPr/>
-        </p:nvSpPr>
-        <p:spPr>
-          <a:xfrm>
-            <a:off x="6450137" y="8474733"/>
-            <a:ext cx="2098452" cy="1592559"/>
-          </a:xfrm>
-          <a:prstGeom prst="flowChartProcess">
-            <a:avLst/>
-          </a:prstGeom>
-          <a:ln>
-            <a:solidFill>
-              <a:srgbClr val="0D0D0D"/>
-            </a:solidFill>
-          </a:ln>
-        </p:spPr>
-        <p:style>
-          <a:lnRef idx="1">
-            <a:schemeClr val="accent3"/>
-          </a:lnRef>
-          <a:fillRef idx="2">
-            <a:schemeClr val="accent3"/>
-          </a:fillRef>
-          <a:effectRef idx="1">
-            <a:schemeClr val="accent3"/>
-          </a:effectRef>
-          <a:fontRef idx="minor">
-            <a:schemeClr val="dk1"/>
-          </a:fontRef>
-        </p:style>
-        <p:txBody>
-          <a:bodyPr lIns="91410" tIns="45705" rIns="91410" bIns="45705" spcCol="0" rtlCol="0" anchor="ctr"/>
-          <a:lstStyle/>
-          <a:p>
-            <a:pPr algn="ctr"/>
-            <a:r>
               <a:rPr lang="en-US" sz="2000" dirty="0" smtClean="0"/>
-              <a:t>After user clicks “OK” Begin each round</a:t>
+              <a:t>Fighters damage and Health </a:t>
             </a:r>
             <a:endParaRPr lang="en-US" sz="2000" dirty="0"/>
           </a:p>
         </p:txBody>
       </p:sp>
-      <p:cxnSp>
-        <p:nvCxnSpPr>
-          <p:cNvPr id="16" name="Straight Arrow Connector 15"/>
-          <p:cNvCxnSpPr>
-            <a:stCxn id="14" idx="2"/>
-            <a:endCxn id="15" idx="0"/>
-          </p:cNvCxnSpPr>
-          <p:nvPr/>
-        </p:nvCxnSpPr>
-        <p:spPr>
-          <a:xfrm flipH="1">
-            <a:off x="7499363" y="7915026"/>
-            <a:ext cx="14795" cy="559708"/>
-          </a:xfrm>
-          <a:prstGeom prst="straightConnector1">
-            <a:avLst/>
-          </a:prstGeom>
-          <a:ln>
-            <a:solidFill>
-              <a:srgbClr val="0D0D0D"/>
-            </a:solidFill>
-            <a:tailEnd type="arrow"/>
-          </a:ln>
-        </p:spPr>
-        <p:style>
-          <a:lnRef idx="2">
-            <a:schemeClr val="accent1"/>
-          </a:lnRef>
-          <a:fillRef idx="0">
-            <a:schemeClr val="accent1"/>
-          </a:fillRef>
-          <a:effectRef idx="1">
-            <a:schemeClr val="accent1"/>
-          </a:effectRef>
-          <a:fontRef idx="minor">
-            <a:schemeClr val="tx1"/>
-          </a:fontRef>
-        </p:style>
-      </p:cxnSp>
       <p:sp>
         <p:nvSpPr>
           <p:cNvPr id="24" name="Data 23"/>
@@ -3553,7 +3432,7 @@
         </p:nvSpPr>
         <p:spPr>
           <a:xfrm>
-            <a:off x="6147319" y="10903660"/>
+            <a:off x="4765688" y="1273984"/>
             <a:ext cx="2733675" cy="1712564"/>
           </a:xfrm>
           <a:prstGeom prst="flowChartInputOutput">
@@ -3588,7 +3467,7 @@
             <a:pPr algn="ctr"/>
             <a:r>
               <a:rPr lang="en-US" sz="2000" dirty="0" smtClean="0"/>
-              <a:t>Out put on Alert box health after each round</a:t>
+              <a:t>Define the damage</a:t>
             </a:r>
             <a:endParaRPr lang="en-US" sz="2000" dirty="0"/>
           </a:p>
@@ -3597,17 +3476,382 @@
       <p:cxnSp>
         <p:nvCxnSpPr>
           <p:cNvPr id="25" name="Straight Arrow Connector 24"/>
-          <p:cNvCxnSpPr>
-            <a:endCxn id="24" idx="1"/>
-          </p:cNvCxnSpPr>
+          <p:cNvCxnSpPr/>
           <p:nvPr/>
         </p:nvCxnSpPr>
         <p:spPr>
           <a:xfrm>
-            <a:off x="7499364" y="10067292"/>
-            <a:ext cx="14793" cy="836368"/>
+            <a:off x="6541492" y="2966530"/>
+            <a:ext cx="0" cy="836368"/>
           </a:xfrm>
           <a:prstGeom prst="straightConnector1">
+            <a:avLst/>
+          </a:prstGeom>
+          <a:ln>
+            <a:solidFill>
+              <a:srgbClr val="0D0D0D"/>
+            </a:solidFill>
+            <a:tailEnd type="arrow"/>
+          </a:ln>
+        </p:spPr>
+        <p:style>
+          <a:lnRef idx="2">
+            <a:schemeClr val="accent1"/>
+          </a:lnRef>
+          <a:fillRef idx="0">
+            <a:schemeClr val="accent1"/>
+          </a:fillRef>
+          <a:effectRef idx="1">
+            <a:schemeClr val="accent1"/>
+          </a:effectRef>
+          <a:fontRef idx="minor">
+            <a:schemeClr val="tx1"/>
+          </a:fontRef>
+        </p:style>
+      </p:cxnSp>
+      <p:sp>
+        <p:nvSpPr>
+          <p:cNvPr id="51" name="Process 50"/>
+          <p:cNvSpPr/>
+          <p:nvPr/>
+        </p:nvSpPr>
+        <p:spPr>
+          <a:xfrm>
+            <a:off x="5047533" y="6166281"/>
+            <a:ext cx="1493959" cy="1170146"/>
+          </a:xfrm>
+          <a:prstGeom prst="flowChartProcess">
+            <a:avLst/>
+          </a:prstGeom>
+          <a:ln>
+            <a:solidFill>
+              <a:srgbClr val="0D0D0D"/>
+            </a:solidFill>
+          </a:ln>
+        </p:spPr>
+        <p:style>
+          <a:lnRef idx="2">
+            <a:schemeClr val="accent6">
+              <a:shade val="50000"/>
+            </a:schemeClr>
+          </a:lnRef>
+          <a:fillRef idx="1">
+            <a:schemeClr val="accent6"/>
+          </a:fillRef>
+          <a:effectRef idx="0">
+            <a:schemeClr val="accent6"/>
+          </a:effectRef>
+          <a:fontRef idx="minor">
+            <a:schemeClr val="lt1"/>
+          </a:fontRef>
+        </p:style>
+        <p:txBody>
+          <a:bodyPr rtlCol="0" anchor="ctr"/>
+          <a:lstStyle/>
+          <a:p>
+            <a:pPr algn="ctr"/>
+            <a:r>
+              <a:rPr lang="en-US" dirty="0" smtClean="0">
+                <a:solidFill>
+                  <a:srgbClr val="000000"/>
+                </a:solidFill>
+              </a:rPr>
+              <a:t>If Fighter 1 Score is = Fighter 2 </a:t>
+            </a:r>
+            <a:endParaRPr lang="en-US" dirty="0">
+              <a:solidFill>
+                <a:srgbClr val="000000"/>
+              </a:solidFill>
+            </a:endParaRPr>
+          </a:p>
+        </p:txBody>
+      </p:sp>
+      <p:sp>
+        <p:nvSpPr>
+          <p:cNvPr id="65" name="Connector 64"/>
+          <p:cNvSpPr/>
+          <p:nvPr/>
+        </p:nvSpPr>
+        <p:spPr>
+          <a:xfrm>
+            <a:off x="12892891" y="9034178"/>
+            <a:ext cx="2892449" cy="835397"/>
+          </a:xfrm>
+          <a:prstGeom prst="flowChartConnector">
+            <a:avLst/>
+          </a:prstGeom>
+          <a:ln>
+            <a:solidFill>
+              <a:srgbClr val="0D0D0D"/>
+            </a:solidFill>
+          </a:ln>
+        </p:spPr>
+        <p:style>
+          <a:lnRef idx="2">
+            <a:schemeClr val="accent2">
+              <a:shade val="50000"/>
+            </a:schemeClr>
+          </a:lnRef>
+          <a:fillRef idx="1">
+            <a:schemeClr val="accent2"/>
+          </a:fillRef>
+          <a:effectRef idx="0">
+            <a:schemeClr val="accent2"/>
+          </a:effectRef>
+          <a:fontRef idx="minor">
+            <a:schemeClr val="lt1"/>
+          </a:fontRef>
+        </p:style>
+        <p:txBody>
+          <a:bodyPr lIns="91410" tIns="45705" rIns="91410" bIns="45705" spcCol="0" rtlCol="0" anchor="ctr"/>
+          <a:lstStyle/>
+          <a:p>
+            <a:pPr algn="ctr"/>
+            <a:r>
+              <a:rPr lang="en-US" sz="2800" dirty="0" smtClean="0">
+                <a:solidFill>
+                  <a:schemeClr val="tx1"/>
+                </a:solidFill>
+              </a:rPr>
+              <a:t>End Program</a:t>
+            </a:r>
+            <a:endParaRPr lang="en-US" sz="2800" dirty="0">
+              <a:solidFill>
+                <a:schemeClr val="tx1"/>
+              </a:solidFill>
+            </a:endParaRPr>
+          </a:p>
+        </p:txBody>
+      </p:sp>
+      <p:sp>
+        <p:nvSpPr>
+          <p:cNvPr id="8" name="TextBox 7"/>
+          <p:cNvSpPr txBox="1"/>
+          <p:nvPr/>
+        </p:nvSpPr>
+        <p:spPr>
+          <a:xfrm>
+            <a:off x="1685378" y="8920136"/>
+            <a:ext cx="2494230" cy="369332"/>
+          </a:xfrm>
+          <a:prstGeom prst="rect">
+            <a:avLst/>
+          </a:prstGeom>
+          <a:noFill/>
+        </p:spPr>
+        <p:txBody>
+          <a:bodyPr wrap="none" rtlCol="0">
+            <a:spAutoFit/>
+          </a:bodyPr>
+          <a:lstStyle/>
+          <a:p>
+            <a:r>
+              <a:rPr lang="en-US" dirty="0" smtClean="0"/>
+              <a:t>Print damage and health </a:t>
+            </a:r>
+            <a:endParaRPr lang="en-US" dirty="0"/>
+          </a:p>
+        </p:txBody>
+      </p:sp>
+      <p:cxnSp>
+        <p:nvCxnSpPr>
+          <p:cNvPr id="30" name="Straight Arrow Connector 29"/>
+          <p:cNvCxnSpPr/>
+          <p:nvPr/>
+        </p:nvCxnSpPr>
+        <p:spPr>
+          <a:xfrm flipH="1">
+            <a:off x="1728428" y="10950083"/>
+            <a:ext cx="7396" cy="1044245"/>
+          </a:xfrm>
+          <a:prstGeom prst="straightConnector1">
+            <a:avLst/>
+          </a:prstGeom>
+          <a:ln>
+            <a:solidFill>
+              <a:srgbClr val="0D0D0D"/>
+            </a:solidFill>
+            <a:tailEnd type="arrow"/>
+          </a:ln>
+        </p:spPr>
+        <p:style>
+          <a:lnRef idx="2">
+            <a:schemeClr val="accent1"/>
+          </a:lnRef>
+          <a:fillRef idx="0">
+            <a:schemeClr val="accent1"/>
+          </a:fillRef>
+          <a:effectRef idx="1">
+            <a:schemeClr val="accent1"/>
+          </a:effectRef>
+          <a:fontRef idx="minor">
+            <a:schemeClr val="tx1"/>
+          </a:fontRef>
+        </p:style>
+      </p:cxnSp>
+      <p:sp>
+        <p:nvSpPr>
+          <p:cNvPr id="10" name="TextBox 9"/>
+          <p:cNvSpPr txBox="1"/>
+          <p:nvPr/>
+        </p:nvSpPr>
+        <p:spPr>
+          <a:xfrm>
+            <a:off x="2695680" y="12997292"/>
+            <a:ext cx="1588483" cy="369332"/>
+          </a:xfrm>
+          <a:prstGeom prst="rect">
+            <a:avLst/>
+          </a:prstGeom>
+          <a:noFill/>
+        </p:spPr>
+        <p:txBody>
+          <a:bodyPr wrap="none" rtlCol="0">
+            <a:spAutoFit/>
+          </a:bodyPr>
+          <a:lstStyle/>
+          <a:p>
+            <a:r>
+              <a:rPr lang="en-US" dirty="0"/>
+              <a:t>function fight()</a:t>
+            </a:r>
+          </a:p>
+        </p:txBody>
+      </p:sp>
+      <p:sp>
+        <p:nvSpPr>
+          <p:cNvPr id="17" name="TextBox 16"/>
+          <p:cNvSpPr txBox="1"/>
+          <p:nvPr/>
+        </p:nvSpPr>
+        <p:spPr>
+          <a:xfrm>
+            <a:off x="5590749" y="837836"/>
+            <a:ext cx="1489185" cy="369332"/>
+          </a:xfrm>
+          <a:prstGeom prst="rect">
+            <a:avLst/>
+          </a:prstGeom>
+          <a:noFill/>
+        </p:spPr>
+        <p:txBody>
+          <a:bodyPr wrap="none" rtlCol="0">
+            <a:spAutoFit/>
+          </a:bodyPr>
+          <a:lstStyle/>
+          <a:p>
+            <a:r>
+              <a:rPr lang="en-US" dirty="0" err="1"/>
+              <a:t>Math.random</a:t>
+            </a:r>
+            <a:endParaRPr lang="en-US" dirty="0"/>
+          </a:p>
+        </p:txBody>
+      </p:sp>
+      <p:cxnSp>
+        <p:nvCxnSpPr>
+          <p:cNvPr id="28" name="Elbow Connector 27"/>
+          <p:cNvCxnSpPr/>
+          <p:nvPr/>
+        </p:nvCxnSpPr>
+        <p:spPr>
+          <a:xfrm rot="5400000" flipH="1" flipV="1">
+            <a:off x="-505659" y="6529257"/>
+            <a:ext cx="9007778" cy="1922365"/>
+          </a:xfrm>
+          <a:prstGeom prst="bentConnector3">
+            <a:avLst/>
+          </a:prstGeom>
+          <a:ln>
+            <a:solidFill>
+              <a:srgbClr val="000000"/>
+            </a:solidFill>
+            <a:headEnd type="arrow"/>
+            <a:tailEnd type="arrow"/>
+          </a:ln>
+        </p:spPr>
+        <p:style>
+          <a:lnRef idx="2">
+            <a:schemeClr val="accent1"/>
+          </a:lnRef>
+          <a:fillRef idx="0">
+            <a:schemeClr val="accent1"/>
+          </a:fillRef>
+          <a:effectRef idx="1">
+            <a:schemeClr val="accent1"/>
+          </a:effectRef>
+          <a:fontRef idx="minor">
+            <a:schemeClr val="tx1"/>
+          </a:fontRef>
+        </p:style>
+      </p:cxnSp>
+      <p:sp>
+        <p:nvSpPr>
+          <p:cNvPr id="44" name="Decision 43"/>
+          <p:cNvSpPr/>
+          <p:nvPr/>
+        </p:nvSpPr>
+        <p:spPr>
+          <a:xfrm>
+            <a:off x="5108111" y="3802898"/>
+            <a:ext cx="2960954" cy="1498502"/>
+          </a:xfrm>
+          <a:prstGeom prst="flowChartDecision">
+            <a:avLst/>
+          </a:prstGeom>
+          <a:ln>
+            <a:solidFill>
+              <a:srgbClr val="0D0D0D"/>
+            </a:solidFill>
+          </a:ln>
+        </p:spPr>
+        <p:style>
+          <a:lnRef idx="1">
+            <a:schemeClr val="accent5"/>
+          </a:lnRef>
+          <a:fillRef idx="3">
+            <a:schemeClr val="accent5"/>
+          </a:fillRef>
+          <a:effectRef idx="2">
+            <a:schemeClr val="accent5"/>
+          </a:effectRef>
+          <a:fontRef idx="minor">
+            <a:schemeClr val="lt1"/>
+          </a:fontRef>
+        </p:style>
+        <p:txBody>
+          <a:bodyPr rtlCol="0" anchor="ctr"/>
+          <a:lstStyle/>
+          <a:p>
+            <a:pPr algn="ctr"/>
+            <a:r>
+              <a:rPr lang="en-US" dirty="0" smtClean="0">
+                <a:solidFill>
+                  <a:srgbClr val="000000"/>
+                </a:solidFill>
+              </a:rPr>
+              <a:t>Winner check</a:t>
+            </a:r>
+            <a:endParaRPr lang="en-US" dirty="0">
+              <a:solidFill>
+                <a:srgbClr val="000000"/>
+              </a:solidFill>
+            </a:endParaRPr>
+          </a:p>
+        </p:txBody>
+      </p:sp>
+      <p:cxnSp>
+        <p:nvCxnSpPr>
+          <p:cNvPr id="45" name="Elbow Connector 44"/>
+          <p:cNvCxnSpPr/>
+          <p:nvPr/>
+        </p:nvCxnSpPr>
+        <p:spPr>
+          <a:xfrm rot="5400000">
+            <a:off x="5382251" y="5320085"/>
+            <a:ext cx="1054694" cy="637698"/>
+          </a:xfrm>
+          <a:prstGeom prst="bentConnector3">
             <a:avLst/>
           </a:prstGeom>
           <a:ln>
@@ -3634,23 +3878,147 @@
       </p:cxnSp>
       <p:cxnSp>
         <p:nvCxnSpPr>
-          <p:cNvPr id="32" name="Elbow Connector 31"/>
-          <p:cNvCxnSpPr>
-            <a:stCxn id="24" idx="5"/>
-          </p:cNvCxnSpPr>
+          <p:cNvPr id="46" name="Elbow Connector 45"/>
+          <p:cNvCxnSpPr/>
           <p:nvPr/>
         </p:nvCxnSpPr>
         <p:spPr>
-          <a:xfrm flipV="1">
-            <a:off x="8607627" y="2521407"/>
-            <a:ext cx="1149610" cy="9238531"/>
-          </a:xfrm>
-          <a:prstGeom prst="bentConnector2">
+          <a:xfrm rot="16200000" flipH="1">
+            <a:off x="6773659" y="5440577"/>
+            <a:ext cx="1054694" cy="396714"/>
+          </a:xfrm>
+          <a:prstGeom prst="bentConnector3">
             <a:avLst/>
           </a:prstGeom>
           <a:ln>
             <a:solidFill>
               <a:srgbClr val="0D0D0D"/>
+            </a:solidFill>
+            <a:tailEnd type="arrow"/>
+          </a:ln>
+        </p:spPr>
+        <p:style>
+          <a:lnRef idx="2">
+            <a:schemeClr val="accent1"/>
+          </a:lnRef>
+          <a:fillRef idx="0">
+            <a:schemeClr val="accent1"/>
+          </a:fillRef>
+          <a:effectRef idx="1">
+            <a:schemeClr val="accent1"/>
+          </a:effectRef>
+          <a:fontRef idx="minor">
+            <a:schemeClr val="tx1"/>
+          </a:fontRef>
+        </p:style>
+      </p:cxnSp>
+      <p:sp>
+        <p:nvSpPr>
+          <p:cNvPr id="33" name="TextBox 32"/>
+          <p:cNvSpPr txBox="1"/>
+          <p:nvPr/>
+        </p:nvSpPr>
+        <p:spPr>
+          <a:xfrm>
+            <a:off x="7499363" y="10449037"/>
+            <a:ext cx="736099" cy="369332"/>
+          </a:xfrm>
+          <a:prstGeom prst="rect">
+            <a:avLst/>
+          </a:prstGeom>
+          <a:noFill/>
+        </p:spPr>
+        <p:txBody>
+          <a:bodyPr wrap="none" rtlCol="0">
+            <a:spAutoFit/>
+          </a:bodyPr>
+          <a:lstStyle/>
+          <a:p>
+            <a:r>
+              <a:rPr lang="en-US" dirty="0" smtClean="0"/>
+              <a:t>Else if</a:t>
+            </a:r>
+            <a:endParaRPr lang="en-US" dirty="0"/>
+          </a:p>
+        </p:txBody>
+      </p:sp>
+      <p:sp>
+        <p:nvSpPr>
+          <p:cNvPr id="48" name="Process 47"/>
+          <p:cNvSpPr/>
+          <p:nvPr/>
+        </p:nvSpPr>
+        <p:spPr>
+          <a:xfrm>
+            <a:off x="6921897" y="6166281"/>
+            <a:ext cx="1493959" cy="1170146"/>
+          </a:xfrm>
+          <a:prstGeom prst="flowChartProcess">
+            <a:avLst/>
+          </a:prstGeom>
+          <a:ln>
+            <a:solidFill>
+              <a:srgbClr val="0D0D0D"/>
+            </a:solidFill>
+          </a:ln>
+        </p:spPr>
+        <p:style>
+          <a:lnRef idx="2">
+            <a:schemeClr val="accent6">
+              <a:shade val="50000"/>
+            </a:schemeClr>
+          </a:lnRef>
+          <a:fillRef idx="1">
+            <a:schemeClr val="accent6"/>
+          </a:fillRef>
+          <a:effectRef idx="0">
+            <a:schemeClr val="accent6"/>
+          </a:effectRef>
+          <a:fontRef idx="minor">
+            <a:schemeClr val="lt1"/>
+          </a:fontRef>
+        </p:style>
+        <p:txBody>
+          <a:bodyPr rtlCol="0" anchor="ctr"/>
+          <a:lstStyle/>
+          <a:p>
+            <a:pPr algn="ctr"/>
+            <a:r>
+              <a:rPr lang="en-US" dirty="0" smtClean="0">
+                <a:solidFill>
+                  <a:srgbClr val="000000"/>
+                </a:solidFill>
+              </a:rPr>
+              <a:t>If Fighter 2 Score is = Fighter 1 </a:t>
+            </a:r>
+            <a:endParaRPr lang="en-US" dirty="0">
+              <a:solidFill>
+                <a:srgbClr val="000000"/>
+              </a:solidFill>
+            </a:endParaRPr>
+          </a:p>
+        </p:txBody>
+      </p:sp>
+      <p:cxnSp>
+        <p:nvCxnSpPr>
+          <p:cNvPr id="36" name="Straight Connector 35"/>
+          <p:cNvCxnSpPr>
+            <a:stCxn id="57" idx="0"/>
+            <a:endCxn id="55" idx="4"/>
+          </p:cNvCxnSpPr>
+          <p:nvPr/>
+        </p:nvCxnSpPr>
+        <p:spPr>
+          <a:xfrm flipV="1">
+            <a:off x="5590749" y="9705019"/>
+            <a:ext cx="950743" cy="1113350"/>
+          </a:xfrm>
+          <a:prstGeom prst="line">
+            <a:avLst/>
+          </a:prstGeom>
+          <a:ln>
+            <a:solidFill>
+              <a:schemeClr val="tx1"/>
             </a:solidFill>
           </a:ln>
         </p:spPr>
@@ -3671,23 +4039,25 @@
       </p:cxnSp>
       <p:cxnSp>
         <p:nvCxnSpPr>
-          <p:cNvPr id="35" name="Straight Arrow Connector 34"/>
-          <p:cNvCxnSpPr/>
+          <p:cNvPr id="53" name="Straight Connector 52"/>
+          <p:cNvCxnSpPr>
+            <a:stCxn id="59" idx="0"/>
+            <a:endCxn id="55" idx="4"/>
+          </p:cNvCxnSpPr>
           <p:nvPr/>
         </p:nvCxnSpPr>
         <p:spPr>
-          <a:xfrm>
-            <a:off x="9757237" y="2521412"/>
-            <a:ext cx="3071399" cy="0"/>
-          </a:xfrm>
-          <a:prstGeom prst="straightConnector1">
+          <a:xfrm flipH="1" flipV="1">
+            <a:off x="6541492" y="9705019"/>
+            <a:ext cx="923621" cy="1113350"/>
+          </a:xfrm>
+          <a:prstGeom prst="line">
             <a:avLst/>
           </a:prstGeom>
           <a:ln>
             <a:solidFill>
-              <a:srgbClr val="0D0D0D"/>
+              <a:schemeClr val="tx1"/>
             </a:solidFill>
-            <a:tailEnd type="arrow"/>
           </a:ln>
         </p:spPr>
         <p:style>
@@ -3707,154 +4077,96 @@
       </p:cxnSp>
       <p:sp>
         <p:nvSpPr>
-          <p:cNvPr id="37" name="Decision 36"/>
+          <p:cNvPr id="55" name="Data 54"/>
           <p:cNvSpPr/>
           <p:nvPr/>
         </p:nvSpPr>
         <p:spPr>
           <a:xfrm>
-            <a:off x="12513807" y="4404036"/>
-            <a:ext cx="3533357" cy="2025606"/>
-          </a:xfrm>
-          <a:prstGeom prst="flowChartDecision">
+            <a:off x="5174654" y="8332723"/>
+            <a:ext cx="2733675" cy="1372296"/>
+          </a:xfrm>
+          <a:prstGeom prst="flowChartInputOutput">
             <a:avLst/>
           </a:prstGeom>
-          <a:ln>
-            <a:solidFill>
-              <a:srgbClr val="0D0D0D"/>
-            </a:solidFill>
-          </a:ln>
+          <a:ln/>
         </p:spPr>
         <p:style>
-          <a:lnRef idx="1">
-            <a:schemeClr val="accent5"/>
+          <a:lnRef idx="2">
+            <a:schemeClr val="accent2">
+              <a:shade val="50000"/>
+            </a:schemeClr>
           </a:lnRef>
-          <a:fillRef idx="3">
-            <a:schemeClr val="accent5"/>
+          <a:fillRef idx="1">
+            <a:schemeClr val="accent2"/>
           </a:fillRef>
-          <a:effectRef idx="2">
-            <a:schemeClr val="accent5"/>
+          <a:effectRef idx="0">
+            <a:schemeClr val="accent2"/>
           </a:effectRef>
           <a:fontRef idx="minor">
             <a:schemeClr val="lt1"/>
           </a:fontRef>
         </p:style>
         <p:txBody>
-          <a:bodyPr rtlCol="0" anchor="ctr"/>
+          <a:bodyPr lIns="91410" tIns="45705" rIns="91410" bIns="45705" spcCol="0" rtlCol="0" anchor="ctr"/>
           <a:lstStyle/>
           <a:p>
             <a:pPr algn="ctr"/>
             <a:r>
-              <a:rPr lang="en-US" dirty="0" smtClean="0">
-                <a:solidFill>
-                  <a:srgbClr val="000000"/>
-                </a:solidFill>
-              </a:rPr>
-              <a:t>Who is the Winner?</a:t>
-            </a:r>
-            <a:endParaRPr lang="en-US" dirty="0">
-              <a:solidFill>
-                <a:srgbClr val="000000"/>
-              </a:solidFill>
-            </a:endParaRPr>
-          </a:p>
-        </p:txBody>
-      </p:sp>
-      <p:sp>
-        <p:nvSpPr>
-          <p:cNvPr id="39" name="Rectangle 38"/>
-          <p:cNvSpPr/>
+              <a:rPr lang="en-US" sz="2000" dirty="0" smtClean="0"/>
+              <a:t>You both die!</a:t>
+            </a:r>
+            <a:endParaRPr lang="en-US" sz="2000" dirty="0"/>
+          </a:p>
+        </p:txBody>
+      </p:sp>
+      <p:sp>
+        <p:nvSpPr>
+          <p:cNvPr id="56" name="TextBox 55"/>
+          <p:cNvSpPr txBox="1"/>
           <p:nvPr/>
         </p:nvSpPr>
         <p:spPr>
           <a:xfrm>
-            <a:off x="12860296" y="1505072"/>
-            <a:ext cx="2840379" cy="1879642"/>
+            <a:off x="6698026" y="3435295"/>
+            <a:ext cx="2376672" cy="369332"/>
           </a:xfrm>
           <a:prstGeom prst="rect">
             <a:avLst/>
           </a:prstGeom>
-          <a:ln>
-            <a:solidFill>
-              <a:srgbClr val="0D0D0D"/>
-            </a:solidFill>
-          </a:ln>
-        </p:spPr>
-        <p:style>
-          <a:lnRef idx="1">
-            <a:schemeClr val="accent3"/>
-          </a:lnRef>
-          <a:fillRef idx="2">
-            <a:schemeClr val="accent3"/>
-          </a:fillRef>
-          <a:effectRef idx="1">
-            <a:schemeClr val="accent3"/>
-          </a:effectRef>
-          <a:fontRef idx="minor">
-            <a:schemeClr val="dk1"/>
-          </a:fontRef>
-        </p:style>
-        <p:txBody>
-          <a:bodyPr rtlCol="0" anchor="ctr"/>
-          <a:lstStyle/>
-          <a:p>
-            <a:pPr algn="ctr"/>
-            <a:r>
-              <a:rPr lang="en-US" dirty="0" smtClean="0"/>
-              <a:t>Check progress of each fighter</a:t>
-            </a:r>
-            <a:endParaRPr lang="en-US" dirty="0"/>
-          </a:p>
-        </p:txBody>
-      </p:sp>
-      <p:cxnSp>
-        <p:nvCxnSpPr>
-          <p:cNvPr id="43" name="Straight Arrow Connector 42"/>
-          <p:cNvCxnSpPr>
-            <a:stCxn id="39" idx="2"/>
-          </p:cNvCxnSpPr>
-          <p:nvPr/>
-        </p:nvCxnSpPr>
-        <p:spPr>
-          <a:xfrm flipH="1">
-            <a:off x="14280483" y="3384714"/>
-            <a:ext cx="3" cy="994140"/>
-          </a:xfrm>
-          <a:prstGeom prst="straightConnector1">
-            <a:avLst/>
-          </a:prstGeom>
-          <a:ln>
-            <a:solidFill>
-              <a:srgbClr val="0D0D0D"/>
-            </a:solidFill>
-            <a:tailEnd type="arrow"/>
-          </a:ln>
-        </p:spPr>
-        <p:style>
-          <a:lnRef idx="2">
-            <a:schemeClr val="accent1"/>
-          </a:lnRef>
-          <a:fillRef idx="0">
-            <a:schemeClr val="accent1"/>
-          </a:fillRef>
-          <a:effectRef idx="1">
-            <a:schemeClr val="accent1"/>
-          </a:effectRef>
-          <a:fontRef idx="minor">
-            <a:schemeClr val="tx1"/>
-          </a:fontRef>
-        </p:style>
-      </p:cxnSp>
-      <p:sp>
-        <p:nvSpPr>
-          <p:cNvPr id="51" name="Process 50"/>
+          <a:noFill/>
+        </p:spPr>
+        <p:txBody>
+          <a:bodyPr wrap="none" rtlCol="0">
+            <a:spAutoFit/>
+          </a:bodyPr>
+          <a:lstStyle/>
+          <a:p>
+            <a:r>
+              <a:rPr lang="en-US" dirty="0"/>
+              <a:t>function </a:t>
+            </a:r>
+            <a:r>
+              <a:rPr lang="en-US" dirty="0" err="1"/>
+              <a:t>winnerCheck</a:t>
+            </a:r>
+            <a:r>
+              <a:rPr lang="en-US" dirty="0"/>
+              <a:t>()</a:t>
+            </a:r>
+          </a:p>
+        </p:txBody>
+      </p:sp>
+      <p:sp>
+        <p:nvSpPr>
+          <p:cNvPr id="57" name="Process 56"/>
           <p:cNvSpPr/>
           <p:nvPr/>
         </p:nvSpPr>
         <p:spPr>
           <a:xfrm>
-            <a:off x="11321918" y="6909318"/>
-            <a:ext cx="1829587" cy="1565415"/>
+            <a:off x="4843769" y="10818369"/>
+            <a:ext cx="1493959" cy="1170146"/>
           </a:xfrm>
           <a:prstGeom prst="flowChartProcess">
             <a:avLst/>
@@ -3892,7 +4204,7 @@
                   <a:srgbClr val="000000"/>
                 </a:solidFill>
               </a:rPr>
-              <a:t>If Fighter #1 Health is Greater than Fighter #2 Declare Fighter #1 “WINNER”</a:t>
+              <a:t>If Fighter 1 Score is &gt; Fighter 2 </a:t>
             </a:r>
             <a:endParaRPr lang="en-US" dirty="0">
               <a:solidFill>
@@ -3904,14 +4216,14 @@
       </p:sp>
       <p:sp>
         <p:nvSpPr>
-          <p:cNvPr id="52" name="Process 51"/>
+          <p:cNvPr id="59" name="Process 58"/>
           <p:cNvSpPr/>
           <p:nvPr/>
         </p:nvSpPr>
         <p:spPr>
           <a:xfrm>
-            <a:off x="15132370" y="6909318"/>
-            <a:ext cx="1829587" cy="1565415"/>
+            <a:off x="6718133" y="10818369"/>
+            <a:ext cx="1493959" cy="1170146"/>
           </a:xfrm>
           <a:prstGeom prst="flowChartProcess">
             <a:avLst/>
@@ -3949,32 +4261,36 @@
                   <a:srgbClr val="000000"/>
                 </a:solidFill>
               </a:rPr>
-              <a:t>If Fighter #2 Health is Greater than Fighter #1 Declare Fighter #2 “WINNER”</a:t>
-            </a:r>
-          </a:p>
-          <a:p>
-            <a:pPr algn="ctr"/>
-            <a:endParaRPr lang="en-US" dirty="0"/>
+              <a:t>If Fighter 2 Score is &gt; Fighter 1 </a:t>
+            </a:r>
+            <a:endParaRPr lang="en-US" dirty="0">
+              <a:solidFill>
+                <a:srgbClr val="000000"/>
+              </a:solidFill>
+            </a:endParaRPr>
           </a:p>
         </p:txBody>
       </p:sp>
       <p:cxnSp>
         <p:nvCxnSpPr>
-          <p:cNvPr id="54" name="Elbow Connector 53"/>
-          <p:cNvCxnSpPr/>
+          <p:cNvPr id="61" name="Elbow Connector 60"/>
+          <p:cNvCxnSpPr>
+            <a:stCxn id="51" idx="2"/>
+            <a:endCxn id="55" idx="1"/>
+          </p:cNvCxnSpPr>
           <p:nvPr/>
         </p:nvCxnSpPr>
         <p:spPr>
-          <a:xfrm rot="5400000">
-            <a:off x="12305309" y="6063122"/>
-            <a:ext cx="1054694" cy="637698"/>
+          <a:xfrm rot="16200000" flipH="1">
+            <a:off x="5669854" y="7461085"/>
+            <a:ext cx="996296" cy="746979"/>
           </a:xfrm>
           <a:prstGeom prst="bentConnector3">
             <a:avLst/>
           </a:prstGeom>
           <a:ln>
             <a:solidFill>
-              <a:srgbClr val="0D0D0D"/>
+              <a:srgbClr val="000000"/>
             </a:solidFill>
             <a:tailEnd type="arrow"/>
           </a:ln>
@@ -3996,21 +4312,234 @@
       </p:cxnSp>
       <p:cxnSp>
         <p:nvCxnSpPr>
-          <p:cNvPr id="58" name="Elbow Connector 57"/>
-          <p:cNvCxnSpPr/>
+          <p:cNvPr id="66" name="Elbow Connector 65"/>
+          <p:cNvCxnSpPr>
+            <a:stCxn id="48" idx="2"/>
+            <a:endCxn id="55" idx="1"/>
+          </p:cNvCxnSpPr>
           <p:nvPr/>
         </p:nvCxnSpPr>
         <p:spPr>
-          <a:xfrm rot="16200000" flipH="1">
-            <a:off x="14974971" y="6183614"/>
-            <a:ext cx="1054694" cy="396714"/>
+          <a:xfrm rot="5400000">
+            <a:off x="6607037" y="7270883"/>
+            <a:ext cx="996296" cy="1127385"/>
           </a:xfrm>
           <a:prstGeom prst="bentConnector3">
             <a:avLst/>
           </a:prstGeom>
           <a:ln>
             <a:solidFill>
-              <a:srgbClr val="0D0D0D"/>
+              <a:srgbClr val="000000"/>
+            </a:solidFill>
+            <a:tailEnd type="arrow"/>
+          </a:ln>
+        </p:spPr>
+        <p:style>
+          <a:lnRef idx="2">
+            <a:schemeClr val="accent1"/>
+          </a:lnRef>
+          <a:fillRef idx="0">
+            <a:schemeClr val="accent1"/>
+          </a:fillRef>
+          <a:effectRef idx="1">
+            <a:schemeClr val="accent1"/>
+          </a:effectRef>
+          <a:fontRef idx="minor">
+            <a:schemeClr val="tx1"/>
+          </a:fontRef>
+        </p:style>
+      </p:cxnSp>
+      <p:sp>
+        <p:nvSpPr>
+          <p:cNvPr id="67" name="TextBox 66"/>
+          <p:cNvSpPr txBox="1"/>
+          <p:nvPr/>
+        </p:nvSpPr>
+        <p:spPr>
+          <a:xfrm>
+            <a:off x="7886362" y="5669958"/>
+            <a:ext cx="325730" cy="369332"/>
+          </a:xfrm>
+          <a:prstGeom prst="rect">
+            <a:avLst/>
+          </a:prstGeom>
+          <a:noFill/>
+        </p:spPr>
+        <p:txBody>
+          <a:bodyPr wrap="none" rtlCol="0">
+            <a:spAutoFit/>
+          </a:bodyPr>
+          <a:lstStyle/>
+          <a:p>
+            <a:r>
+              <a:rPr lang="en-US" dirty="0" smtClean="0"/>
+              <a:t>If</a:t>
+            </a:r>
+            <a:endParaRPr lang="en-US" dirty="0"/>
+          </a:p>
+        </p:txBody>
+      </p:sp>
+      <p:cxnSp>
+        <p:nvCxnSpPr>
+          <p:cNvPr id="71" name="Elbow Connector 70"/>
+          <p:cNvCxnSpPr/>
+          <p:nvPr/>
+        </p:nvCxnSpPr>
+        <p:spPr>
+          <a:xfrm>
+            <a:off x="8069065" y="4569697"/>
+            <a:ext cx="691430" cy="331322"/>
+          </a:xfrm>
+          <a:prstGeom prst="bentConnector3">
+            <a:avLst/>
+          </a:prstGeom>
+          <a:ln>
+            <a:solidFill>
+              <a:srgbClr val="000000"/>
+            </a:solidFill>
+            <a:tailEnd type="arrow"/>
+          </a:ln>
+        </p:spPr>
+        <p:style>
+          <a:lnRef idx="2">
+            <a:schemeClr val="accent1"/>
+          </a:lnRef>
+          <a:fillRef idx="0">
+            <a:schemeClr val="accent1"/>
+          </a:fillRef>
+          <a:effectRef idx="1">
+            <a:schemeClr val="accent1"/>
+          </a:effectRef>
+          <a:fontRef idx="minor">
+            <a:schemeClr val="tx1"/>
+          </a:fontRef>
+        </p:style>
+      </p:cxnSp>
+      <p:sp>
+        <p:nvSpPr>
+          <p:cNvPr id="72" name="TextBox 71"/>
+          <p:cNvSpPr txBox="1"/>
+          <p:nvPr/>
+        </p:nvSpPr>
+        <p:spPr>
+          <a:xfrm>
+            <a:off x="9114898" y="3957863"/>
+            <a:ext cx="1633781" cy="369332"/>
+          </a:xfrm>
+          <a:prstGeom prst="rect">
+            <a:avLst/>
+          </a:prstGeom>
+          <a:noFill/>
+        </p:spPr>
+        <p:txBody>
+          <a:bodyPr wrap="none" rtlCol="0">
+            <a:spAutoFit/>
+          </a:bodyPr>
+          <a:lstStyle/>
+          <a:p>
+            <a:r>
+              <a:rPr lang="en-US" dirty="0" smtClean="0"/>
+              <a:t>Else alert result</a:t>
+            </a:r>
+            <a:endParaRPr lang="en-US" dirty="0"/>
+          </a:p>
+        </p:txBody>
+      </p:sp>
+      <p:sp>
+        <p:nvSpPr>
+          <p:cNvPr id="73" name="Data 72"/>
+          <p:cNvSpPr/>
+          <p:nvPr/>
+        </p:nvSpPr>
+        <p:spPr>
+          <a:xfrm>
+            <a:off x="8579717" y="4327195"/>
+            <a:ext cx="2314266" cy="1203999"/>
+          </a:xfrm>
+          <a:prstGeom prst="flowChartInputOutput">
+            <a:avLst/>
+          </a:prstGeom>
+        </p:spPr>
+        <p:style>
+          <a:lnRef idx="2">
+            <a:schemeClr val="accent2">
+              <a:shade val="50000"/>
+            </a:schemeClr>
+          </a:lnRef>
+          <a:fillRef idx="1">
+            <a:schemeClr val="accent2"/>
+          </a:fillRef>
+          <a:effectRef idx="0">
+            <a:schemeClr val="accent2"/>
+          </a:effectRef>
+          <a:fontRef idx="minor">
+            <a:schemeClr val="lt1"/>
+          </a:fontRef>
+        </p:style>
+        <p:txBody>
+          <a:bodyPr rtlCol="0" anchor="ctr"/>
+          <a:lstStyle/>
+          <a:p>
+            <a:pPr algn="ctr"/>
+            <a:endParaRPr lang="en-US"/>
+          </a:p>
+        </p:txBody>
+      </p:sp>
+      <p:sp>
+        <p:nvSpPr>
+          <p:cNvPr id="74" name="TextBox 73"/>
+          <p:cNvSpPr txBox="1"/>
+          <p:nvPr/>
+        </p:nvSpPr>
+        <p:spPr>
+          <a:xfrm>
+            <a:off x="8942739" y="4465256"/>
+            <a:ext cx="1657012" cy="646331"/>
+          </a:xfrm>
+          <a:prstGeom prst="rect">
+            <a:avLst/>
+          </a:prstGeom>
+          <a:noFill/>
+        </p:spPr>
+        <p:txBody>
+          <a:bodyPr wrap="none" rtlCol="0">
+            <a:spAutoFit/>
+          </a:bodyPr>
+          <a:lstStyle/>
+          <a:p>
+            <a:r>
+              <a:rPr lang="en-US" dirty="0" smtClean="0"/>
+              <a:t>Display Health </a:t>
+            </a:r>
+          </a:p>
+          <a:p>
+            <a:r>
+              <a:rPr lang="en-US" dirty="0" smtClean="0"/>
+              <a:t>&amp; End of Round </a:t>
+            </a:r>
+            <a:endParaRPr lang="en-US" dirty="0"/>
+          </a:p>
+        </p:txBody>
+      </p:sp>
+      <p:cxnSp>
+        <p:nvCxnSpPr>
+          <p:cNvPr id="76" name="Elbow Connector 75"/>
+          <p:cNvCxnSpPr>
+            <a:stCxn id="57" idx="2"/>
+          </p:cNvCxnSpPr>
+          <p:nvPr/>
+        </p:nvCxnSpPr>
+        <p:spPr>
+          <a:xfrm rot="16200000" flipH="1">
+            <a:off x="5561732" y="12017531"/>
+            <a:ext cx="1008777" cy="950743"/>
+          </a:xfrm>
+          <a:prstGeom prst="bentConnector3">
+            <a:avLst/>
+          </a:prstGeom>
+          <a:ln>
+            <a:solidFill>
+              <a:srgbClr val="000000"/>
             </a:solidFill>
             <a:tailEnd type="arrow"/>
           </a:ln>
@@ -4032,23 +4561,24 @@
       </p:cxnSp>
       <p:cxnSp>
         <p:nvCxnSpPr>
-          <p:cNvPr id="62" name="Elbow Connector 61"/>
-          <p:cNvCxnSpPr/>
+          <p:cNvPr id="80" name="Elbow Connector 79"/>
+          <p:cNvCxnSpPr>
+            <a:stCxn id="59" idx="2"/>
+          </p:cNvCxnSpPr>
           <p:nvPr/>
         </p:nvCxnSpPr>
         <p:spPr>
-          <a:xfrm rot="16200000" flipH="1">
-            <a:off x="10968402" y="8268541"/>
-            <a:ext cx="2988634" cy="2281603"/>
+          <a:xfrm rot="5400000">
+            <a:off x="6498915" y="12031093"/>
+            <a:ext cx="1008776" cy="923621"/>
           </a:xfrm>
           <a:prstGeom prst="bentConnector3">
             <a:avLst/>
           </a:prstGeom>
           <a:ln>
             <a:solidFill>
-              <a:srgbClr val="0D0D0D"/>
+              <a:srgbClr val="000000"/>
             </a:solidFill>
-            <a:headEnd type="arrow"/>
             <a:tailEnd type="arrow"/>
           </a:ln>
         </p:spPr>
@@ -4069,21 +4599,21 @@
       </p:cxnSp>
       <p:cxnSp>
         <p:nvCxnSpPr>
-          <p:cNvPr id="64" name="Elbow Connector 63"/>
+          <p:cNvPr id="82" name="Elbow Connector 81"/>
           <p:cNvCxnSpPr/>
           <p:nvPr/>
         </p:nvCxnSpPr>
         <p:spPr>
-          <a:xfrm rot="5400000">
-            <a:off x="14348061" y="8289764"/>
-            <a:ext cx="2988634" cy="2239159"/>
+          <a:xfrm flipV="1">
+            <a:off x="6541492" y="6166281"/>
+            <a:ext cx="7062029" cy="6831010"/>
           </a:xfrm>
           <a:prstGeom prst="bentConnector3">
             <a:avLst/>
           </a:prstGeom>
           <a:ln>
             <a:solidFill>
-              <a:srgbClr val="0D0D0D"/>
+              <a:srgbClr val="000000"/>
             </a:solidFill>
             <a:tailEnd type="arrow"/>
           </a:ln>
@@ -4105,16 +4635,16 @@
       </p:cxnSp>
       <p:sp>
         <p:nvSpPr>
-          <p:cNvPr id="65" name="Connector 64"/>
+          <p:cNvPr id="37" name="Decision 36"/>
           <p:cNvSpPr/>
           <p:nvPr/>
         </p:nvSpPr>
         <p:spPr>
           <a:xfrm>
-            <a:off x="12808226" y="10876456"/>
-            <a:ext cx="2892449" cy="835397"/>
-          </a:xfrm>
-          <a:prstGeom prst="flowChartConnector">
+            <a:off x="12513807" y="5111587"/>
+            <a:ext cx="3533357" cy="2025606"/>
+          </a:xfrm>
+          <a:prstGeom prst="flowChartDecision">
             <a:avLst/>
           </a:prstGeom>
           <a:ln>
@@ -4124,39 +4654,136 @@
           </a:ln>
         </p:spPr>
         <p:style>
-          <a:lnRef idx="2">
-            <a:schemeClr val="accent2">
-              <a:shade val="50000"/>
-            </a:schemeClr>
+          <a:lnRef idx="1">
+            <a:schemeClr val="accent5"/>
           </a:lnRef>
-          <a:fillRef idx="1">
-            <a:schemeClr val="accent2"/>
+          <a:fillRef idx="3">
+            <a:schemeClr val="accent5"/>
           </a:fillRef>
-          <a:effectRef idx="0">
-            <a:schemeClr val="accent2"/>
+          <a:effectRef idx="2">
+            <a:schemeClr val="accent5"/>
           </a:effectRef>
           <a:fontRef idx="minor">
             <a:schemeClr val="lt1"/>
           </a:fontRef>
         </p:style>
         <p:txBody>
-          <a:bodyPr lIns="91410" tIns="45705" rIns="91410" bIns="45705" spcCol="0" rtlCol="0" anchor="ctr"/>
+          <a:bodyPr rtlCol="0" anchor="ctr"/>
           <a:lstStyle/>
           <a:p>
             <a:pPr algn="ctr"/>
             <a:r>
-              <a:rPr lang="en-US" sz="2800" dirty="0" smtClean="0">
+              <a:rPr lang="en-US" dirty="0" smtClean="0">
                 <a:solidFill>
-                  <a:schemeClr val="tx1"/>
+                  <a:srgbClr val="000000"/>
                 </a:solidFill>
               </a:rPr>
-              <a:t>End Program</a:t>
-            </a:r>
-            <a:endParaRPr lang="en-US" sz="2800" dirty="0">
+              <a:t>Return Result </a:t>
+            </a:r>
+            <a:endParaRPr lang="en-US" dirty="0">
               <a:solidFill>
-                <a:schemeClr val="tx1"/>
+                <a:srgbClr val="000000"/>
               </a:solidFill>
             </a:endParaRPr>
+          </a:p>
+        </p:txBody>
+      </p:sp>
+      <p:sp>
+        <p:nvSpPr>
+          <p:cNvPr id="85" name="TextBox 84"/>
+          <p:cNvSpPr txBox="1"/>
+          <p:nvPr/>
+        </p:nvSpPr>
+        <p:spPr>
+          <a:xfrm>
+            <a:off x="4765688" y="10449037"/>
+            <a:ext cx="736099" cy="369332"/>
+          </a:xfrm>
+          <a:prstGeom prst="rect">
+            <a:avLst/>
+          </a:prstGeom>
+          <a:noFill/>
+        </p:spPr>
+        <p:txBody>
+          <a:bodyPr wrap="none" rtlCol="0">
+            <a:spAutoFit/>
+          </a:bodyPr>
+          <a:lstStyle/>
+          <a:p>
+            <a:r>
+              <a:rPr lang="en-US" dirty="0" smtClean="0"/>
+              <a:t>Else if</a:t>
+            </a:r>
+            <a:endParaRPr lang="en-US" dirty="0"/>
+          </a:p>
+        </p:txBody>
+      </p:sp>
+      <p:cxnSp>
+        <p:nvCxnSpPr>
+          <p:cNvPr id="86" name="Straight Arrow Connector 85"/>
+          <p:cNvCxnSpPr/>
+          <p:nvPr/>
+        </p:nvCxnSpPr>
+        <p:spPr>
+          <a:xfrm>
+            <a:off x="14315869" y="7137193"/>
+            <a:ext cx="0" cy="1861437"/>
+          </a:xfrm>
+          <a:prstGeom prst="straightConnector1">
+            <a:avLst/>
+          </a:prstGeom>
+          <a:ln>
+            <a:solidFill>
+              <a:schemeClr val="tx1">
+                <a:lumMod val="95000"/>
+                <a:lumOff val="5000"/>
+              </a:schemeClr>
+            </a:solidFill>
+            <a:tailEnd type="arrow"/>
+          </a:ln>
+        </p:spPr>
+        <p:style>
+          <a:lnRef idx="2">
+            <a:schemeClr val="accent1"/>
+          </a:lnRef>
+          <a:fillRef idx="0">
+            <a:schemeClr val="accent1"/>
+          </a:fillRef>
+          <a:effectRef idx="1">
+            <a:schemeClr val="accent1"/>
+          </a:effectRef>
+          <a:fontRef idx="minor">
+            <a:schemeClr val="tx1"/>
+          </a:fontRef>
+        </p:style>
+      </p:cxnSp>
+      <p:sp>
+        <p:nvSpPr>
+          <p:cNvPr id="87" name="TextBox 86"/>
+          <p:cNvSpPr txBox="1"/>
+          <p:nvPr/>
+        </p:nvSpPr>
+        <p:spPr>
+          <a:xfrm>
+            <a:off x="382135" y="630916"/>
+            <a:ext cx="3003547" cy="584776"/>
+          </a:xfrm>
+          <a:prstGeom prst="rect">
+            <a:avLst/>
+          </a:prstGeom>
+          <a:noFill/>
+        </p:spPr>
+        <p:txBody>
+          <a:bodyPr wrap="none" rtlCol="0">
+            <a:spAutoFit/>
+          </a:bodyPr>
+          <a:lstStyle/>
+          <a:p>
+            <a:r>
+              <a:rPr lang="en-US" sz="3200" b="1" dirty="0" smtClean="0"/>
+              <a:t>DUEL VERSION 2</a:t>
+            </a:r>
+            <a:endParaRPr lang="en-US" sz="3200" b="1" dirty="0"/>
           </a:p>
         </p:txBody>
       </p:sp>
